--- a/惡魔輪盤期中報告.pptx
+++ b/惡魔輪盤期中報告.pptx
@@ -265,7 +265,7 @@
           <a:p>
             <a:fld id="{5D3E60CD-0358-4C44-9CA8-5CB9C982B7EE}" type="datetimeFigureOut">
               <a:rPr lang="zh-TW" altLang="en-US" smtClean="0"/>
-              <a:t>2024/4/24</a:t>
+              <a:t>2024/5/1</a:t>
             </a:fld>
             <a:endParaRPr lang="zh-TW" altLang="en-US"/>
           </a:p>
@@ -463,7 +463,7 @@
           <a:p>
             <a:fld id="{5D3E60CD-0358-4C44-9CA8-5CB9C982B7EE}" type="datetimeFigureOut">
               <a:rPr lang="zh-TW" altLang="en-US" smtClean="0"/>
-              <a:t>2024/4/24</a:t>
+              <a:t>2024/5/1</a:t>
             </a:fld>
             <a:endParaRPr lang="zh-TW" altLang="en-US"/>
           </a:p>
@@ -671,7 +671,7 @@
           <a:p>
             <a:fld id="{5D3E60CD-0358-4C44-9CA8-5CB9C982B7EE}" type="datetimeFigureOut">
               <a:rPr lang="zh-TW" altLang="en-US" smtClean="0"/>
-              <a:t>2024/4/24</a:t>
+              <a:t>2024/5/1</a:t>
             </a:fld>
             <a:endParaRPr lang="zh-TW" altLang="en-US"/>
           </a:p>
@@ -869,7 +869,7 @@
           <a:p>
             <a:fld id="{5D3E60CD-0358-4C44-9CA8-5CB9C982B7EE}" type="datetimeFigureOut">
               <a:rPr lang="zh-TW" altLang="en-US" smtClean="0"/>
-              <a:t>2024/4/24</a:t>
+              <a:t>2024/5/1</a:t>
             </a:fld>
             <a:endParaRPr lang="zh-TW" altLang="en-US"/>
           </a:p>
@@ -1144,7 +1144,7 @@
           <a:p>
             <a:fld id="{5D3E60CD-0358-4C44-9CA8-5CB9C982B7EE}" type="datetimeFigureOut">
               <a:rPr lang="zh-TW" altLang="en-US" smtClean="0"/>
-              <a:t>2024/4/24</a:t>
+              <a:t>2024/5/1</a:t>
             </a:fld>
             <a:endParaRPr lang="zh-TW" altLang="en-US"/>
           </a:p>
@@ -1409,7 +1409,7 @@
           <a:p>
             <a:fld id="{5D3E60CD-0358-4C44-9CA8-5CB9C982B7EE}" type="datetimeFigureOut">
               <a:rPr lang="zh-TW" altLang="en-US" smtClean="0"/>
-              <a:t>2024/4/24</a:t>
+              <a:t>2024/5/1</a:t>
             </a:fld>
             <a:endParaRPr lang="zh-TW" altLang="en-US"/>
           </a:p>
@@ -1821,7 +1821,7 @@
           <a:p>
             <a:fld id="{5D3E60CD-0358-4C44-9CA8-5CB9C982B7EE}" type="datetimeFigureOut">
               <a:rPr lang="zh-TW" altLang="en-US" smtClean="0"/>
-              <a:t>2024/4/24</a:t>
+              <a:t>2024/5/1</a:t>
             </a:fld>
             <a:endParaRPr lang="zh-TW" altLang="en-US"/>
           </a:p>
@@ -1962,7 +1962,7 @@
           <a:p>
             <a:fld id="{5D3E60CD-0358-4C44-9CA8-5CB9C982B7EE}" type="datetimeFigureOut">
               <a:rPr lang="zh-TW" altLang="en-US" smtClean="0"/>
-              <a:t>2024/4/24</a:t>
+              <a:t>2024/5/1</a:t>
             </a:fld>
             <a:endParaRPr lang="zh-TW" altLang="en-US"/>
           </a:p>
@@ -2075,7 +2075,7 @@
           <a:p>
             <a:fld id="{5D3E60CD-0358-4C44-9CA8-5CB9C982B7EE}" type="datetimeFigureOut">
               <a:rPr lang="zh-TW" altLang="en-US" smtClean="0"/>
-              <a:t>2024/4/24</a:t>
+              <a:t>2024/5/1</a:t>
             </a:fld>
             <a:endParaRPr lang="zh-TW" altLang="en-US"/>
           </a:p>
@@ -2386,7 +2386,7 @@
           <a:p>
             <a:fld id="{5D3E60CD-0358-4C44-9CA8-5CB9C982B7EE}" type="datetimeFigureOut">
               <a:rPr lang="zh-TW" altLang="en-US" smtClean="0"/>
-              <a:t>2024/4/24</a:t>
+              <a:t>2024/5/1</a:t>
             </a:fld>
             <a:endParaRPr lang="zh-TW" altLang="en-US"/>
           </a:p>
@@ -2674,7 +2674,7 @@
           <a:p>
             <a:fld id="{5D3E60CD-0358-4C44-9CA8-5CB9C982B7EE}" type="datetimeFigureOut">
               <a:rPr lang="zh-TW" altLang="en-US" smtClean="0"/>
-              <a:t>2024/4/24</a:t>
+              <a:t>2024/5/1</a:t>
             </a:fld>
             <a:endParaRPr lang="zh-TW" altLang="en-US"/>
           </a:p>
@@ -2915,7 +2915,7 @@
           <a:p>
             <a:fld id="{5D3E60CD-0358-4C44-9CA8-5CB9C982B7EE}" type="datetimeFigureOut">
               <a:rPr lang="zh-TW" altLang="en-US" smtClean="0"/>
-              <a:t>2024/4/24</a:t>
+              <a:t>2024/5/1</a:t>
             </a:fld>
             <a:endParaRPr lang="zh-TW" altLang="en-US"/>
           </a:p>
@@ -3655,10 +3655,10 @@
       </p:sp>
       <p:pic>
         <p:nvPicPr>
-          <p:cNvPr id="7" name="內容版面配置區 6">
-            <a:extLst>
-              <a:ext uri="{FF2B5EF4-FFF2-40B4-BE49-F238E27FC236}">
-                <a16:creationId xmlns:a16="http://schemas.microsoft.com/office/drawing/2014/main" id="{50983058-873F-F8BC-5A87-AB8AE87CEE23}"/>
+          <p:cNvPr id="6" name="內容版面配置區 5">
+            <a:extLst>
+              <a:ext uri="{FF2B5EF4-FFF2-40B4-BE49-F238E27FC236}">
+                <a16:creationId xmlns:a16="http://schemas.microsoft.com/office/drawing/2014/main" id="{5BC1919C-60C7-4C9C-A21D-BB0185241C31}"/>
               </a:ext>
             </a:extLst>
           </p:cNvPr>
@@ -3677,8 +3677,8 @@
         </p:blipFill>
         <p:spPr>
           <a:xfrm>
-            <a:off x="4394693" y="805652"/>
-            <a:ext cx="6992602" cy="5423882"/>
+            <a:off x="1171571" y="1825625"/>
+            <a:ext cx="9848857" cy="4351338"/>
           </a:xfrm>
         </p:spPr>
       </p:pic>
@@ -3778,51 +3778,58 @@
           <a:p>
             <a:r>
               <a:rPr lang="zh-TW" altLang="en-US" sz="2800" dirty="0"/>
-              <a:t>每當切換對方回合時會給兩個道具</a:t>
+              <a:t>開始或子彈射完時給</a:t>
+            </a:r>
+            <a:r>
+              <a:rPr lang="en-US" altLang="zh-TW" sz="2800" dirty="0"/>
+              <a:t>5</a:t>
+            </a:r>
+            <a:r>
+              <a:rPr lang="zh-TW" altLang="en-US" sz="2800" dirty="0"/>
+              <a:t>個隨機道具</a:t>
             </a:r>
             <a:endParaRPr lang="en-US" altLang="zh-TW" sz="2800" dirty="0"/>
           </a:p>
           <a:p>
             <a:r>
               <a:rPr lang="zh-TW" altLang="en-US" sz="2800" dirty="0"/>
-              <a:t>一回合內可以無限使用道具直到沒有</a:t>
+              <a:t>一回合內相同道具只能用一次</a:t>
             </a:r>
             <a:endParaRPr lang="en-US" altLang="zh-TW" sz="2800" dirty="0"/>
           </a:p>
           <a:p>
             <a:r>
               <a:rPr lang="zh-TW" altLang="en-US" sz="2800" dirty="0"/>
-              <a:t>道具的擺放位置是隨機的由左而右</a:t>
+              <a:t>對方不會使用道具。</a:t>
             </a:r>
             <a:endParaRPr lang="en-US" altLang="zh-TW" sz="2800" dirty="0"/>
           </a:p>
           <a:p>
             <a:r>
+              <a:rPr lang="zh-TW" altLang="en-US" dirty="0"/>
+              <a:t>子彈射完沒有分出勝負則</a:t>
+            </a:r>
+            <a:r>
               <a:rPr lang="zh-TW" altLang="en-US" sz="2800" dirty="0"/>
-              <a:t>左邊的道具就是新拿到的道具</a:t>
+              <a:t>五發實彈跟五發空彈繼續隨機裝填</a:t>
             </a:r>
             <a:endParaRPr lang="en-US" altLang="zh-TW" sz="2800" dirty="0"/>
           </a:p>
           <a:p>
             <a:r>
               <a:rPr lang="zh-TW" altLang="en-US" sz="2800" dirty="0"/>
-              <a:t>道具滿了的話會拿不起來道具</a:t>
+              <a:t>血量先歸零為輸家</a:t>
             </a:r>
             <a:endParaRPr lang="en-US" altLang="zh-TW" sz="2800" dirty="0"/>
           </a:p>
           <a:p>
             <a:r>
-              <a:rPr lang="zh-TW" altLang="en-US" sz="2800" dirty="0"/>
-              <a:t>最多就</a:t>
-            </a:r>
-            <a:r>
-              <a:rPr lang="en-US" altLang="zh-TW" sz="2800" dirty="0"/>
-              <a:t>8</a:t>
-            </a:r>
-            <a:r>
-              <a:rPr lang="zh-TW" altLang="en-US" sz="2800" dirty="0"/>
-              <a:t>個道具，對方也會使用道具跟開槍。</a:t>
-            </a:r>
+              <a:rPr lang="zh-TW" altLang="en-US" dirty="0"/>
+              <a:t>你先攻</a:t>
+            </a:r>
+            <a:endParaRPr lang="en-US" altLang="zh-TW" sz="2800" dirty="0"/>
+          </a:p>
+          <a:p>
             <a:endParaRPr lang="zh-TW" altLang="en-US" dirty="0"/>
           </a:p>
         </p:txBody>

--- a/惡魔輪盤期中報告.pptx
+++ b/惡魔輪盤期中報告.pptx
@@ -3625,7 +3625,7 @@
         </p:nvSpPr>
         <p:spPr>
           <a:xfrm>
-            <a:off x="107995" y="463801"/>
+            <a:off x="650920" y="0"/>
             <a:ext cx="10515600" cy="1325563"/>
           </a:xfrm>
         </p:spPr>
@@ -3677,8 +3677,8 @@
         </p:blipFill>
         <p:spPr>
           <a:xfrm>
-            <a:off x="1171571" y="1825625"/>
-            <a:ext cx="9848857" cy="4351338"/>
+            <a:off x="444749" y="1325563"/>
+            <a:ext cx="11302501" cy="4993575"/>
           </a:xfrm>
         </p:spPr>
       </p:pic>

--- a/惡魔輪盤期中報告.pptx
+++ b/惡魔輪盤期中報告.pptx
@@ -265,7 +265,7 @@
           <a:p>
             <a:fld id="{5D3E60CD-0358-4C44-9CA8-5CB9C982B7EE}" type="datetimeFigureOut">
               <a:rPr lang="zh-TW" altLang="en-US" smtClean="0"/>
-              <a:t>2024/5/1</a:t>
+              <a:t>2024/5/2</a:t>
             </a:fld>
             <a:endParaRPr lang="zh-TW" altLang="en-US"/>
           </a:p>
@@ -463,7 +463,7 @@
           <a:p>
             <a:fld id="{5D3E60CD-0358-4C44-9CA8-5CB9C982B7EE}" type="datetimeFigureOut">
               <a:rPr lang="zh-TW" altLang="en-US" smtClean="0"/>
-              <a:t>2024/5/1</a:t>
+              <a:t>2024/5/2</a:t>
             </a:fld>
             <a:endParaRPr lang="zh-TW" altLang="en-US"/>
           </a:p>
@@ -671,7 +671,7 @@
           <a:p>
             <a:fld id="{5D3E60CD-0358-4C44-9CA8-5CB9C982B7EE}" type="datetimeFigureOut">
               <a:rPr lang="zh-TW" altLang="en-US" smtClean="0"/>
-              <a:t>2024/5/1</a:t>
+              <a:t>2024/5/2</a:t>
             </a:fld>
             <a:endParaRPr lang="zh-TW" altLang="en-US"/>
           </a:p>
@@ -869,7 +869,7 @@
           <a:p>
             <a:fld id="{5D3E60CD-0358-4C44-9CA8-5CB9C982B7EE}" type="datetimeFigureOut">
               <a:rPr lang="zh-TW" altLang="en-US" smtClean="0"/>
-              <a:t>2024/5/1</a:t>
+              <a:t>2024/5/2</a:t>
             </a:fld>
             <a:endParaRPr lang="zh-TW" altLang="en-US"/>
           </a:p>
@@ -1144,7 +1144,7 @@
           <a:p>
             <a:fld id="{5D3E60CD-0358-4C44-9CA8-5CB9C982B7EE}" type="datetimeFigureOut">
               <a:rPr lang="zh-TW" altLang="en-US" smtClean="0"/>
-              <a:t>2024/5/1</a:t>
+              <a:t>2024/5/2</a:t>
             </a:fld>
             <a:endParaRPr lang="zh-TW" altLang="en-US"/>
           </a:p>
@@ -1409,7 +1409,7 @@
           <a:p>
             <a:fld id="{5D3E60CD-0358-4C44-9CA8-5CB9C982B7EE}" type="datetimeFigureOut">
               <a:rPr lang="zh-TW" altLang="en-US" smtClean="0"/>
-              <a:t>2024/5/1</a:t>
+              <a:t>2024/5/2</a:t>
             </a:fld>
             <a:endParaRPr lang="zh-TW" altLang="en-US"/>
           </a:p>
@@ -1821,7 +1821,7 @@
           <a:p>
             <a:fld id="{5D3E60CD-0358-4C44-9CA8-5CB9C982B7EE}" type="datetimeFigureOut">
               <a:rPr lang="zh-TW" altLang="en-US" smtClean="0"/>
-              <a:t>2024/5/1</a:t>
+              <a:t>2024/5/2</a:t>
             </a:fld>
             <a:endParaRPr lang="zh-TW" altLang="en-US"/>
           </a:p>
@@ -1962,7 +1962,7 @@
           <a:p>
             <a:fld id="{5D3E60CD-0358-4C44-9CA8-5CB9C982B7EE}" type="datetimeFigureOut">
               <a:rPr lang="zh-TW" altLang="en-US" smtClean="0"/>
-              <a:t>2024/5/1</a:t>
+              <a:t>2024/5/2</a:t>
             </a:fld>
             <a:endParaRPr lang="zh-TW" altLang="en-US"/>
           </a:p>
@@ -2075,7 +2075,7 @@
           <a:p>
             <a:fld id="{5D3E60CD-0358-4C44-9CA8-5CB9C982B7EE}" type="datetimeFigureOut">
               <a:rPr lang="zh-TW" altLang="en-US" smtClean="0"/>
-              <a:t>2024/5/1</a:t>
+              <a:t>2024/5/2</a:t>
             </a:fld>
             <a:endParaRPr lang="zh-TW" altLang="en-US"/>
           </a:p>
@@ -2386,7 +2386,7 @@
           <a:p>
             <a:fld id="{5D3E60CD-0358-4C44-9CA8-5CB9C982B7EE}" type="datetimeFigureOut">
               <a:rPr lang="zh-TW" altLang="en-US" smtClean="0"/>
-              <a:t>2024/5/1</a:t>
+              <a:t>2024/5/2</a:t>
             </a:fld>
             <a:endParaRPr lang="zh-TW" altLang="en-US"/>
           </a:p>
@@ -2674,7 +2674,7 @@
           <a:p>
             <a:fld id="{5D3E60CD-0358-4C44-9CA8-5CB9C982B7EE}" type="datetimeFigureOut">
               <a:rPr lang="zh-TW" altLang="en-US" smtClean="0"/>
-              <a:t>2024/5/1</a:t>
+              <a:t>2024/5/2</a:t>
             </a:fld>
             <a:endParaRPr lang="zh-TW" altLang="en-US"/>
           </a:p>
@@ -2915,7 +2915,7 @@
           <a:p>
             <a:fld id="{5D3E60CD-0358-4C44-9CA8-5CB9C982B7EE}" type="datetimeFigureOut">
               <a:rPr lang="zh-TW" altLang="en-US" smtClean="0"/>
-              <a:t>2024/5/1</a:t>
+              <a:t>2024/5/2</a:t>
             </a:fld>
             <a:endParaRPr lang="zh-TW" altLang="en-US"/>
           </a:p>
@@ -3486,7 +3486,15 @@
             </a:r>
             <a:r>
               <a:rPr lang="zh-TW" altLang="en-US" dirty="0"/>
-              <a:t>所得到的靈感，簡單模仿遊戲的玩法，並使用網頁來呈現。簡單來說就是雙方各有一把槍，槍裡面會有空彈有實彈，可以知道剩下幾發空彈與實彈，但不知道現在裡面的子彈是甚麼，選擇向自己或對面開槍，實彈打中就會扣血，某一方血量歸零就結束，若子彈打空還沒有任何一方死亡，則重新裝填子彈。</a:t>
+              <a:t>所得到的靈感，簡單模仿遊戲的玩法，並使用網頁來呈現。簡單來說就是雙方各有一把槍，槍裡面會有空彈</a:t>
+            </a:r>
+            <a:r>
+              <a:rPr lang="zh-TW" altLang="en-US"/>
+              <a:t>有實彈，</a:t>
+            </a:r>
+            <a:r>
+              <a:rPr lang="zh-TW" altLang="en-US" dirty="0"/>
+              <a:t>但不知道現在裡面的子彈是甚麼，選擇向自己或對面開槍，實彈打中就會扣血，某一方血量歸零就結束，若子彈打空還沒有任何一方死亡，則重新裝填子彈。</a:t>
             </a:r>
           </a:p>
         </p:txBody>
